--- a/computer_science/ai/xai/a_learning_sciences_approach_for_post_hoc_algorithnm_explainables.pptx
+++ b/computer_science/ai/xai/a_learning_sciences_approach_for_post_hoc_algorithnm_explainables.pptx
@@ -8,9 +8,10 @@
     <p:sldId id="256" r:id="rId2"/>
     <p:sldId id="257" r:id="rId3"/>
     <p:sldId id="258" r:id="rId4"/>
-    <p:sldId id="259" r:id="rId5"/>
-    <p:sldId id="260" r:id="rId6"/>
-    <p:sldId id="261" r:id="rId7"/>
+    <p:sldId id="262" r:id="rId5"/>
+    <p:sldId id="259" r:id="rId6"/>
+    <p:sldId id="260" r:id="rId7"/>
+    <p:sldId id="261" r:id="rId8"/>
   </p:sldIdLst>
   <p:sldSz cx="12192000" cy="6858000"/>
   <p:notesSz cx="6858000" cy="9144000"/>
@@ -109,6 +110,11 @@
       </a:defRPr>
     </a:lvl9pPr>
   </p:defaultTextStyle>
+  <p:extLst>
+    <p:ext uri="{EFAFB233-063F-42B5-8137-9DF3F51BA10A}">
+      <p15:sldGuideLst xmlns:p15="http://schemas.microsoft.com/office/powerpoint/2012/main"/>
+    </p:ext>
+  </p:extLst>
 </p:presentation>
 </file>
 
@@ -243,7 +249,7 @@
           <a:p>
             <a:fld id="{99B1500F-81BD-40EA-9925-C60DB257FC25}" type="datetimeFigureOut">
               <a:rPr lang="zh-CN" altLang="en-US" smtClean="0"/>
-              <a:t>2019/3/27</a:t>
+              <a:t>2019/3/29</a:t>
             </a:fld>
             <a:endParaRPr lang="zh-CN" altLang="en-US"/>
           </a:p>
@@ -413,7 +419,7 @@
           <a:p>
             <a:fld id="{99B1500F-81BD-40EA-9925-C60DB257FC25}" type="datetimeFigureOut">
               <a:rPr lang="zh-CN" altLang="en-US" smtClean="0"/>
-              <a:t>2019/3/27</a:t>
+              <a:t>2019/3/29</a:t>
             </a:fld>
             <a:endParaRPr lang="zh-CN" altLang="en-US"/>
           </a:p>
@@ -593,7 +599,7 @@
           <a:p>
             <a:fld id="{99B1500F-81BD-40EA-9925-C60DB257FC25}" type="datetimeFigureOut">
               <a:rPr lang="zh-CN" altLang="en-US" smtClean="0"/>
-              <a:t>2019/3/27</a:t>
+              <a:t>2019/3/29</a:t>
             </a:fld>
             <a:endParaRPr lang="zh-CN" altLang="en-US"/>
           </a:p>
@@ -763,7 +769,7 @@
           <a:p>
             <a:fld id="{99B1500F-81BD-40EA-9925-C60DB257FC25}" type="datetimeFigureOut">
               <a:rPr lang="zh-CN" altLang="en-US" smtClean="0"/>
-              <a:t>2019/3/27</a:t>
+              <a:t>2019/3/29</a:t>
             </a:fld>
             <a:endParaRPr lang="zh-CN" altLang="en-US"/>
           </a:p>
@@ -1009,7 +1015,7 @@
           <a:p>
             <a:fld id="{99B1500F-81BD-40EA-9925-C60DB257FC25}" type="datetimeFigureOut">
               <a:rPr lang="zh-CN" altLang="en-US" smtClean="0"/>
-              <a:t>2019/3/27</a:t>
+              <a:t>2019/3/29</a:t>
             </a:fld>
             <a:endParaRPr lang="zh-CN" altLang="en-US"/>
           </a:p>
@@ -1241,7 +1247,7 @@
           <a:p>
             <a:fld id="{99B1500F-81BD-40EA-9925-C60DB257FC25}" type="datetimeFigureOut">
               <a:rPr lang="zh-CN" altLang="en-US" smtClean="0"/>
-              <a:t>2019/3/27</a:t>
+              <a:t>2019/3/29</a:t>
             </a:fld>
             <a:endParaRPr lang="zh-CN" altLang="en-US"/>
           </a:p>
@@ -1608,7 +1614,7 @@
           <a:p>
             <a:fld id="{99B1500F-81BD-40EA-9925-C60DB257FC25}" type="datetimeFigureOut">
               <a:rPr lang="zh-CN" altLang="en-US" smtClean="0"/>
-              <a:t>2019/3/27</a:t>
+              <a:t>2019/3/29</a:t>
             </a:fld>
             <a:endParaRPr lang="zh-CN" altLang="en-US"/>
           </a:p>
@@ -1726,7 +1732,7 @@
           <a:p>
             <a:fld id="{99B1500F-81BD-40EA-9925-C60DB257FC25}" type="datetimeFigureOut">
               <a:rPr lang="zh-CN" altLang="en-US" smtClean="0"/>
-              <a:t>2019/3/27</a:t>
+              <a:t>2019/3/29</a:t>
             </a:fld>
             <a:endParaRPr lang="zh-CN" altLang="en-US"/>
           </a:p>
@@ -1821,7 +1827,7 @@
           <a:p>
             <a:fld id="{99B1500F-81BD-40EA-9925-C60DB257FC25}" type="datetimeFigureOut">
               <a:rPr lang="zh-CN" altLang="en-US" smtClean="0"/>
-              <a:t>2019/3/27</a:t>
+              <a:t>2019/3/29</a:t>
             </a:fld>
             <a:endParaRPr lang="zh-CN" altLang="en-US"/>
           </a:p>
@@ -2098,7 +2104,7 @@
           <a:p>
             <a:fld id="{99B1500F-81BD-40EA-9925-C60DB257FC25}" type="datetimeFigureOut">
               <a:rPr lang="zh-CN" altLang="en-US" smtClean="0"/>
-              <a:t>2019/3/27</a:t>
+              <a:t>2019/3/29</a:t>
             </a:fld>
             <a:endParaRPr lang="zh-CN" altLang="en-US"/>
           </a:p>
@@ -2351,7 +2357,7 @@
           <a:p>
             <a:fld id="{99B1500F-81BD-40EA-9925-C60DB257FC25}" type="datetimeFigureOut">
               <a:rPr lang="zh-CN" altLang="en-US" smtClean="0"/>
-              <a:t>2019/3/27</a:t>
+              <a:t>2019/3/29</a:t>
             </a:fld>
             <a:endParaRPr lang="zh-CN" altLang="en-US"/>
           </a:p>
@@ -2564,7 +2570,7 @@
           <a:p>
             <a:fld id="{99B1500F-81BD-40EA-9925-C60DB257FC25}" type="datetimeFigureOut">
               <a:rPr lang="zh-CN" altLang="en-US" smtClean="0"/>
-              <a:t>2019/3/27</a:t>
+              <a:t>2019/3/29</a:t>
             </a:fld>
             <a:endParaRPr lang="zh-CN" altLang="en-US"/>
           </a:p>
@@ -3266,7 +3272,7 @@
           <a:p>
             <a:r>
               <a:rPr lang="en-US" altLang="zh-CN" dirty="0"/>
-              <a:t>Learning Science Design Process for Explainables</a:t>
+              <a:t>Related Work</a:t>
             </a:r>
             <a:endParaRPr lang="zh-CN" altLang="en-US" dirty="0"/>
           </a:p>
@@ -3288,48 +3294,48 @@
           <a:lstStyle/>
           <a:p>
             <a:r>
+              <a:rPr lang="en-US" altLang="zh-CN" dirty="0" smtClean="0"/>
+              <a:t>Effects </a:t>
+            </a:r>
+            <a:r>
               <a:rPr lang="en-US" altLang="zh-CN" dirty="0"/>
-              <a:t>Identifying Desired </a:t>
+              <a:t>of </a:t>
             </a:r>
             <a:r>
               <a:rPr lang="en-US" altLang="zh-CN" dirty="0" smtClean="0"/>
-              <a:t>Results</a:t>
+              <a:t>Interpretability </a:t>
+            </a:r>
+            <a:r>
+              <a:rPr lang="en-US" altLang="zh-CN" dirty="0"/>
+              <a:t>on </a:t>
+            </a:r>
+            <a:r>
+              <a:rPr lang="en-US" altLang="zh-CN" dirty="0" smtClean="0"/>
+              <a:t>Actions</a:t>
             </a:r>
           </a:p>
           <a:p>
             <a:pPr lvl="1"/>
             <a:r>
+              <a:rPr lang="en-US" altLang="zh-CN" dirty="0"/>
+              <a:t>Assuming the desired level of interpretability is achieved, it is also as yet </a:t>
+            </a:r>
+            <a:r>
               <a:rPr lang="en-US" altLang="zh-CN" dirty="0" smtClean="0"/>
-              <a:t>Practitioners commonly use a revised Bloom‘s Taxonomy which suggests a taxonomy of cognitive process with verbs for describing these learning goals.</a:t>
-            </a:r>
-          </a:p>
-          <a:p>
+              <a:t>unknown </a:t>
+            </a:r>
             <a:r>
               <a:rPr lang="en-US" altLang="zh-CN" dirty="0"/>
-              <a:t>Determining Acceptable </a:t>
-            </a:r>
-            <a:r>
-              <a:rPr lang="en-US" altLang="zh-CN" dirty="0" smtClean="0"/>
-              <a:t>Evidence</a:t>
-            </a:r>
-          </a:p>
-          <a:p>
-            <a:r>
-              <a:rPr lang="en-US" altLang="zh-CN" dirty="0"/>
-              <a:t>Planning Learning </a:t>
-            </a:r>
-            <a:r>
-              <a:rPr lang="en-US" altLang="zh-CN" dirty="0" smtClean="0"/>
-              <a:t>Experiences</a:t>
-            </a:r>
-            <a:endParaRPr lang="en-US" altLang="zh-CN" dirty="0"/>
+              <a:t>how that interpretability will impact user behavior with algorithmically enhanced systems.</a:t>
+            </a:r>
+            <a:endParaRPr lang="zh-CN" altLang="en-US" dirty="0"/>
           </a:p>
         </p:txBody>
       </p:sp>
     </p:spTree>
     <p:extLst>
       <p:ext uri="{BB962C8B-B14F-4D97-AF65-F5344CB8AC3E}">
-        <p14:creationId xmlns:p14="http://schemas.microsoft.com/office/powerpoint/2010/main" val="3615602974"/>
+        <p14:creationId xmlns:p14="http://schemas.microsoft.com/office/powerpoint/2010/main" val="4050181840"/>
       </p:ext>
     </p:extLst>
   </p:cSld>
@@ -3373,6 +3379,113 @@
           <a:p>
             <a:r>
               <a:rPr lang="en-US" altLang="zh-CN" dirty="0"/>
+              <a:t>Learning Science Design Process for Explainables</a:t>
+            </a:r>
+            <a:endParaRPr lang="zh-CN" altLang="en-US" dirty="0"/>
+          </a:p>
+        </p:txBody>
+      </p:sp>
+      <p:sp>
+        <p:nvSpPr>
+          <p:cNvPr id="3" name="内容占位符 2"/>
+          <p:cNvSpPr>
+            <a:spLocks noGrp="1"/>
+          </p:cNvSpPr>
+          <p:nvPr>
+            <p:ph idx="1"/>
+          </p:nvPr>
+        </p:nvSpPr>
+        <p:spPr/>
+        <p:txBody>
+          <a:bodyPr/>
+          <a:lstStyle/>
+          <a:p>
+            <a:r>
+              <a:rPr lang="en-US" altLang="zh-CN" dirty="0"/>
+              <a:t>Identifying Desired </a:t>
+            </a:r>
+            <a:r>
+              <a:rPr lang="en-US" altLang="zh-CN" dirty="0" smtClean="0"/>
+              <a:t>Results</a:t>
+            </a:r>
+          </a:p>
+          <a:p>
+            <a:pPr lvl="1"/>
+            <a:r>
+              <a:rPr lang="en-US" altLang="zh-CN" dirty="0" smtClean="0"/>
+              <a:t>Practitioners commonly use a revised Bloom‘s Taxonomy which suggests a taxonomy of cognitive process with verbs for describing these learning goals.</a:t>
+            </a:r>
+          </a:p>
+          <a:p>
+            <a:r>
+              <a:rPr lang="en-US" altLang="zh-CN" dirty="0"/>
+              <a:t>Determining Acceptable </a:t>
+            </a:r>
+            <a:r>
+              <a:rPr lang="en-US" altLang="zh-CN" dirty="0" smtClean="0"/>
+              <a:t>Evidence</a:t>
+            </a:r>
+          </a:p>
+          <a:p>
+            <a:r>
+              <a:rPr lang="en-US" altLang="zh-CN" dirty="0"/>
+              <a:t>Planning Learning </a:t>
+            </a:r>
+            <a:r>
+              <a:rPr lang="en-US" altLang="zh-CN" dirty="0" smtClean="0"/>
+              <a:t>Experiences</a:t>
+            </a:r>
+            <a:endParaRPr lang="en-US" altLang="zh-CN" dirty="0"/>
+          </a:p>
+        </p:txBody>
+      </p:sp>
+    </p:spTree>
+    <p:extLst>
+      <p:ext uri="{BB962C8B-B14F-4D97-AF65-F5344CB8AC3E}">
+        <p14:creationId xmlns:p14="http://schemas.microsoft.com/office/powerpoint/2010/main" val="3615602974"/>
+      </p:ext>
+    </p:extLst>
+  </p:cSld>
+  <p:clrMapOvr>
+    <a:masterClrMapping/>
+  </p:clrMapOvr>
+</p:sld>
+</file>
+
+<file path=ppt/slides/slide6.xml><?xml version="1.0" encoding="utf-8"?>
+<p:sld xmlns:a="http://schemas.openxmlformats.org/drawingml/2006/main" xmlns:r="http://schemas.openxmlformats.org/officeDocument/2006/relationships" xmlns:p="http://schemas.openxmlformats.org/presentationml/2006/main">
+  <p:cSld>
+    <p:spTree>
+      <p:nvGrpSpPr>
+        <p:cNvPr id="1" name=""/>
+        <p:cNvGrpSpPr/>
+        <p:nvPr/>
+      </p:nvGrpSpPr>
+      <p:grpSpPr>
+        <a:xfrm>
+          <a:off x="0" y="0"/>
+          <a:ext cx="0" cy="0"/>
+          <a:chOff x="0" y="0"/>
+          <a:chExt cx="0" cy="0"/>
+        </a:xfrm>
+      </p:grpSpPr>
+      <p:sp>
+        <p:nvSpPr>
+          <p:cNvPr id="2" name="标题 1"/>
+          <p:cNvSpPr>
+            <a:spLocks noGrp="1"/>
+          </p:cNvSpPr>
+          <p:nvPr>
+            <p:ph type="title"/>
+          </p:nvPr>
+        </p:nvSpPr>
+        <p:spPr/>
+        <p:txBody>
+          <a:bodyPr/>
+          <a:lstStyle/>
+          <a:p>
+            <a:r>
+              <a:rPr lang="en-US" altLang="zh-CN" dirty="0"/>
               <a:t>User-Centered Design Process</a:t>
             </a:r>
             <a:endParaRPr lang="zh-CN" altLang="en-US" dirty="0"/>
@@ -3425,7 +3538,7 @@
 </p:sld>
 </file>
 
-<file path=ppt/slides/slide6.xml><?xml version="1.0" encoding="utf-8"?>
+<file path=ppt/slides/slide7.xml><?xml version="1.0" encoding="utf-8"?>
 <p:sld xmlns:a="http://schemas.openxmlformats.org/drawingml/2006/main" xmlns:r="http://schemas.openxmlformats.org/officeDocument/2006/relationships" xmlns:p="http://schemas.openxmlformats.org/presentationml/2006/main">
   <p:cSld>
     <p:spTree>
